--- a/GE_Synergy_updated_V3.pptx
+++ b/GE_Synergy_updated_V3.pptx
@@ -254,7 +254,7 @@
   </p:defaultTextStyle>
   <p:extLst>
     <p:ext uri="{EFAFB233-063F-42B5-8137-9DF3F51BA10A}">
-      <p15:sldGuideLst xmlns:p15="http://schemas.microsoft.com/office/powerpoint/2012/main">
+      <p15:sldGuideLst xmlns:p15="http://schemas.microsoft.com/office/powerpoint/2012/main" xmlns="">
         <p15:guide id="1" orient="horz" pos="1620">
           <p15:clr>
             <a:srgbClr val="A4A3A4"/>
@@ -1299,7 +1299,7 @@
     </p:spTree>
     <p:extLst>
       <p:ext uri="{BB962C8B-B14F-4D97-AF65-F5344CB8AC3E}">
-        <p14:creationId xmlns:p14="http://schemas.microsoft.com/office/powerpoint/2010/main" val="949689428"/>
+        <p14:creationId xmlns:p14="http://schemas.microsoft.com/office/powerpoint/2010/main" xmlns="" val="949689428"/>
       </p:ext>
     </p:extLst>
   </p:cSld>
@@ -1620,8 +1620,8 @@
         </p:nvSpPr>
         <p:spPr>
           <a:xfrm>
-            <a:off x="381300" y="685800"/>
-            <a:ext cx="6096075" cy="3429000"/>
+            <a:off x="381000" y="685800"/>
+            <a:ext cx="6096000" cy="3429000"/>
           </a:xfrm>
           <a:custGeom>
             <a:avLst/>
@@ -2240,6 +2240,15 @@
             </a:pPr>
             <a:fld id="{00000000-1234-1234-1234-123412341234}" type="slidenum">
               <a:rPr lang="en"/>
+              <a:pPr marL="0" lvl="0" indent="0" algn="r" rtl="0">
+                <a:spcBef>
+                  <a:spcPts val="0"/>
+                </a:spcBef>
+                <a:spcAft>
+                  <a:spcPts val="0"/>
+                </a:spcAft>
+                <a:buNone/>
+              </a:pPr>
               <a:t>‹#›</a:t>
             </a:fld>
             <a:endParaRPr/>
@@ -2604,6 +2613,15 @@
             </a:pPr>
             <a:fld id="{00000000-1234-1234-1234-123412341234}" type="slidenum">
               <a:rPr lang="en"/>
+              <a:pPr marL="0" lvl="0" indent="0" algn="r" rtl="0">
+                <a:spcBef>
+                  <a:spcPts val="0"/>
+                </a:spcBef>
+                <a:spcAft>
+                  <a:spcPts val="0"/>
+                </a:spcAft>
+                <a:buNone/>
+              </a:pPr>
               <a:t>‹#›</a:t>
             </a:fld>
             <a:endParaRPr/>
@@ -2708,6 +2726,15 @@
             </a:pPr>
             <a:fld id="{00000000-1234-1234-1234-123412341234}" type="slidenum">
               <a:rPr lang="en"/>
+              <a:pPr marL="0" lvl="0" indent="0" algn="r" rtl="0">
+                <a:spcBef>
+                  <a:spcPts val="0"/>
+                </a:spcBef>
+                <a:spcAft>
+                  <a:spcPts val="0"/>
+                </a:spcAft>
+                <a:buNone/>
+              </a:pPr>
               <a:t>‹#›</a:t>
             </a:fld>
             <a:endParaRPr/>
@@ -3334,6 +3361,15 @@
             </a:pPr>
             <a:fld id="{00000000-1234-1234-1234-123412341234}" type="slidenum">
               <a:rPr lang="en"/>
+              <a:pPr marL="0" lvl="0" indent="0" algn="r" rtl="0">
+                <a:spcBef>
+                  <a:spcPts val="0"/>
+                </a:spcBef>
+                <a:spcAft>
+                  <a:spcPts val="0"/>
+                </a:spcAft>
+                <a:buNone/>
+              </a:pPr>
               <a:t>‹#›</a:t>
             </a:fld>
             <a:endParaRPr/>
@@ -3960,6 +3996,15 @@
             </a:pPr>
             <a:fld id="{00000000-1234-1234-1234-123412341234}" type="slidenum">
               <a:rPr lang="en"/>
+              <a:pPr marL="0" lvl="0" indent="0" algn="r" rtl="0">
+                <a:spcBef>
+                  <a:spcPts val="0"/>
+                </a:spcBef>
+                <a:spcAft>
+                  <a:spcPts val="0"/>
+                </a:spcAft>
+                <a:buNone/>
+              </a:pPr>
               <a:t>‹#›</a:t>
             </a:fld>
             <a:endParaRPr/>
@@ -4426,6 +4471,15 @@
             </a:pPr>
             <a:fld id="{00000000-1234-1234-1234-123412341234}" type="slidenum">
               <a:rPr lang="en"/>
+              <a:pPr marL="0" lvl="0" indent="0" algn="r" rtl="0">
+                <a:spcBef>
+                  <a:spcPts val="0"/>
+                </a:spcBef>
+                <a:spcAft>
+                  <a:spcPts val="0"/>
+                </a:spcAft>
+                <a:buNone/>
+              </a:pPr>
               <a:t>‹#›</a:t>
             </a:fld>
             <a:endParaRPr/>
@@ -5212,6 +5266,15 @@
             </a:pPr>
             <a:fld id="{00000000-1234-1234-1234-123412341234}" type="slidenum">
               <a:rPr lang="en"/>
+              <a:pPr marL="0" lvl="0" indent="0" algn="r" rtl="0">
+                <a:spcBef>
+                  <a:spcPts val="0"/>
+                </a:spcBef>
+                <a:spcAft>
+                  <a:spcPts val="0"/>
+                </a:spcAft>
+                <a:buNone/>
+              </a:pPr>
               <a:t>‹#›</a:t>
             </a:fld>
             <a:endParaRPr/>
@@ -5678,6 +5741,15 @@
             </a:pPr>
             <a:fld id="{00000000-1234-1234-1234-123412341234}" type="slidenum">
               <a:rPr lang="en"/>
+              <a:pPr marL="0" lvl="0" indent="0" algn="r" rtl="0">
+                <a:spcBef>
+                  <a:spcPts val="0"/>
+                </a:spcBef>
+                <a:spcAft>
+                  <a:spcPts val="0"/>
+                </a:spcAft>
+                <a:buNone/>
+              </a:pPr>
               <a:t>‹#›</a:t>
             </a:fld>
             <a:endParaRPr/>
@@ -6304,6 +6376,15 @@
             </a:pPr>
             <a:fld id="{00000000-1234-1234-1234-123412341234}" type="slidenum">
               <a:rPr lang="en"/>
+              <a:pPr marL="0" lvl="0" indent="0" algn="r" rtl="0">
+                <a:spcBef>
+                  <a:spcPts val="0"/>
+                </a:spcBef>
+                <a:spcAft>
+                  <a:spcPts val="0"/>
+                </a:spcAft>
+                <a:buNone/>
+              </a:pPr>
               <a:t>‹#›</a:t>
             </a:fld>
             <a:endParaRPr/>
@@ -6770,6 +6851,15 @@
             </a:pPr>
             <a:fld id="{00000000-1234-1234-1234-123412341234}" type="slidenum">
               <a:rPr lang="en"/>
+              <a:pPr marL="0" lvl="0" indent="0" algn="r" rtl="0">
+                <a:spcBef>
+                  <a:spcPts val="0"/>
+                </a:spcBef>
+                <a:spcAft>
+                  <a:spcPts val="0"/>
+                </a:spcAft>
+                <a:buNone/>
+              </a:pPr>
               <a:t>‹#›</a:t>
             </a:fld>
             <a:endParaRPr/>
@@ -7612,6 +7702,15 @@
             </a:pPr>
             <a:fld id="{00000000-1234-1234-1234-123412341234}" type="slidenum">
               <a:rPr lang="en"/>
+              <a:pPr marL="0" lvl="0" indent="0" algn="r" rtl="0">
+                <a:spcBef>
+                  <a:spcPts val="0"/>
+                </a:spcBef>
+                <a:spcAft>
+                  <a:spcPts val="0"/>
+                </a:spcAft>
+                <a:buNone/>
+              </a:pPr>
               <a:t>‹#›</a:t>
             </a:fld>
             <a:endParaRPr/>
@@ -7845,6 +7944,15 @@
             </a:pPr>
             <a:fld id="{00000000-1234-1234-1234-123412341234}" type="slidenum">
               <a:rPr lang="en"/>
+              <a:pPr marL="0" lvl="0" indent="0" algn="r" rtl="0">
+                <a:spcBef>
+                  <a:spcPts val="0"/>
+                </a:spcBef>
+                <a:spcAft>
+                  <a:spcPts val="0"/>
+                </a:spcAft>
+                <a:buNone/>
+              </a:pPr>
               <a:t>‹#›</a:t>
             </a:fld>
             <a:endParaRPr/>
@@ -8199,6 +8307,15 @@
             </a:pPr>
             <a:fld id="{00000000-1234-1234-1234-123412341234}" type="slidenum">
               <a:rPr lang="en"/>
+              <a:pPr marL="0" lvl="0" indent="0" algn="r" rtl="0">
+                <a:spcBef>
+                  <a:spcPts val="0"/>
+                </a:spcBef>
+                <a:spcAft>
+                  <a:spcPts val="0"/>
+                </a:spcAft>
+                <a:buNone/>
+              </a:pPr>
               <a:t>‹#›</a:t>
             </a:fld>
             <a:endParaRPr/>
@@ -8827,6 +8944,15 @@
             </a:pPr>
             <a:fld id="{00000000-1234-1234-1234-123412341234}" type="slidenum">
               <a:rPr lang="en"/>
+              <a:pPr marL="0" lvl="0" indent="0" algn="r" rtl="0">
+                <a:spcBef>
+                  <a:spcPts val="0"/>
+                </a:spcBef>
+                <a:spcAft>
+                  <a:spcPts val="0"/>
+                </a:spcAft>
+                <a:buNone/>
+              </a:pPr>
               <a:t>‹#›</a:t>
             </a:fld>
             <a:endParaRPr/>
@@ -9133,6 +9259,15 @@
             </a:pPr>
             <a:fld id="{00000000-1234-1234-1234-123412341234}" type="slidenum">
               <a:rPr lang="en"/>
+              <a:pPr marL="0" lvl="0" indent="0" algn="r" rtl="0">
+                <a:spcBef>
+                  <a:spcPts val="0"/>
+                </a:spcBef>
+                <a:spcAft>
+                  <a:spcPts val="0"/>
+                </a:spcAft>
+                <a:buNone/>
+              </a:pPr>
               <a:t>‹#›</a:t>
             </a:fld>
             <a:endParaRPr/>
@@ -9495,6 +9630,15 @@
             </a:pPr>
             <a:fld id="{00000000-1234-1234-1234-123412341234}" type="slidenum">
               <a:rPr lang="en"/>
+              <a:pPr marL="0" lvl="0" indent="0" algn="r" rtl="0">
+                <a:spcBef>
+                  <a:spcPts val="0"/>
+                </a:spcBef>
+                <a:spcAft>
+                  <a:spcPts val="0"/>
+                </a:spcAft>
+                <a:buNone/>
+              </a:pPr>
               <a:t>‹#›</a:t>
             </a:fld>
             <a:endParaRPr/>
@@ -9986,6 +10130,15 @@
             </a:pPr>
             <a:fld id="{00000000-1234-1234-1234-123412341234}" type="slidenum">
               <a:rPr lang="en"/>
+              <a:pPr marL="0" lvl="0" indent="0" algn="r" rtl="0">
+                <a:spcBef>
+                  <a:spcPts val="0"/>
+                </a:spcBef>
+                <a:spcAft>
+                  <a:spcPts val="0"/>
+                </a:spcAft>
+                <a:buNone/>
+              </a:pPr>
               <a:t>‹#›</a:t>
             </a:fld>
             <a:endParaRPr/>
@@ -10219,6 +10372,15 @@
             </a:pPr>
             <a:fld id="{00000000-1234-1234-1234-123412341234}" type="slidenum">
               <a:rPr lang="en"/>
+              <a:pPr marL="0" lvl="0" indent="0" algn="r" rtl="0">
+                <a:spcBef>
+                  <a:spcPts val="0"/>
+                </a:spcBef>
+                <a:spcAft>
+                  <a:spcPts val="0"/>
+                </a:spcAft>
+                <a:buNone/>
+              </a:pPr>
               <a:t>‹#›</a:t>
             </a:fld>
             <a:endParaRPr/>
@@ -10581,6 +10743,15 @@
             </a:pPr>
             <a:fld id="{00000000-1234-1234-1234-123412341234}" type="slidenum">
               <a:rPr lang="en"/>
+              <a:pPr marL="0" lvl="0" indent="0" algn="r" rtl="0">
+                <a:spcBef>
+                  <a:spcPts val="0"/>
+                </a:spcBef>
+                <a:spcAft>
+                  <a:spcPts val="0"/>
+                </a:spcAft>
+                <a:buNone/>
+              </a:pPr>
               <a:t>‹#›</a:t>
             </a:fld>
             <a:endParaRPr/>
@@ -10814,6 +10985,15 @@
             </a:pPr>
             <a:fld id="{00000000-1234-1234-1234-123412341234}" type="slidenum">
               <a:rPr lang="en"/>
+              <a:pPr marL="0" lvl="0" indent="0" algn="r" rtl="0">
+                <a:spcBef>
+                  <a:spcPts val="0"/>
+                </a:spcBef>
+                <a:spcAft>
+                  <a:spcPts val="0"/>
+                </a:spcAft>
+                <a:buNone/>
+              </a:pPr>
               <a:t>‹#›</a:t>
             </a:fld>
             <a:endParaRPr/>
@@ -11372,6 +11552,15 @@
             </a:pPr>
             <a:fld id="{00000000-1234-1234-1234-123412341234}" type="slidenum">
               <a:rPr lang="en"/>
+              <a:pPr marL="0" lvl="0" indent="0" algn="r" rtl="0">
+                <a:spcBef>
+                  <a:spcPts val="0"/>
+                </a:spcBef>
+                <a:spcAft>
+                  <a:spcPts val="0"/>
+                </a:spcAft>
+                <a:buNone/>
+              </a:pPr>
               <a:t>‹#›</a:t>
             </a:fld>
             <a:endParaRPr/>
@@ -11520,6 +11709,15 @@
             </a:pPr>
             <a:fld id="{00000000-1234-1234-1234-123412341234}" type="slidenum">
               <a:rPr lang="en"/>
+              <a:pPr marL="0" lvl="0" indent="0" algn="r" rtl="0">
+                <a:spcBef>
+                  <a:spcPts val="0"/>
+                </a:spcBef>
+                <a:spcAft>
+                  <a:spcPts val="0"/>
+                </a:spcAft>
+                <a:buNone/>
+              </a:pPr>
               <a:t>‹#›</a:t>
             </a:fld>
             <a:endParaRPr/>
@@ -12091,6 +12289,15 @@
             </a:pPr>
             <a:fld id="{00000000-1234-1234-1234-123412341234}" type="slidenum">
               <a:rPr lang="en"/>
+              <a:pPr marL="0" lvl="0" indent="0" algn="r" rtl="0">
+                <a:spcBef>
+                  <a:spcPts val="0"/>
+                </a:spcBef>
+                <a:spcAft>
+                  <a:spcPts val="0"/>
+                </a:spcAft>
+                <a:buNone/>
+              </a:pPr>
               <a:t>‹#›</a:t>
             </a:fld>
             <a:endParaRPr/>
@@ -13642,6 +13849,15 @@
             </a:pPr>
             <a:fld id="{00000000-1234-1234-1234-123412341234}" type="slidenum">
               <a:rPr lang="en"/>
+              <a:pPr marL="0" lvl="0" indent="0" algn="r" rtl="0">
+                <a:spcBef>
+                  <a:spcPts val="0"/>
+                </a:spcBef>
+                <a:spcAft>
+                  <a:spcPts val="0"/>
+                </a:spcAft>
+                <a:buNone/>
+              </a:pPr>
               <a:t>‹#›</a:t>
             </a:fld>
             <a:endParaRPr/>
@@ -14524,7 +14740,7 @@
           <p:cNvPr id="2" name="Title 1">
             <a:extLst>
               <a:ext uri="{FF2B5EF4-FFF2-40B4-BE49-F238E27FC236}">
-                <a16:creationId xmlns:a16="http://schemas.microsoft.com/office/drawing/2014/main" id="{D69EE7C4-7638-4A6A-96E5-01C749614D05}"/>
+                <a16:creationId xmlns:a16="http://schemas.microsoft.com/office/drawing/2014/main" xmlns="" id="{D69EE7C4-7638-4A6A-96E5-01C749614D05}"/>
               </a:ext>
             </a:extLst>
           </p:cNvPr>
@@ -14552,7 +14768,7 @@
           <p:cNvPr id="3" name="Text Placeholder 2">
             <a:extLst>
               <a:ext uri="{FF2B5EF4-FFF2-40B4-BE49-F238E27FC236}">
-                <a16:creationId xmlns:a16="http://schemas.microsoft.com/office/drawing/2014/main" id="{1262F4E9-00E9-4283-A91C-FE878ACA74FB}"/>
+                <a16:creationId xmlns:a16="http://schemas.microsoft.com/office/drawing/2014/main" xmlns="" id="{1262F4E9-00E9-4283-A91C-FE878ACA74FB}"/>
               </a:ext>
             </a:extLst>
           </p:cNvPr>
@@ -14618,7 +14834,7 @@
     </p:spTree>
     <p:extLst>
       <p:ext uri="{BB962C8B-B14F-4D97-AF65-F5344CB8AC3E}">
-        <p14:creationId xmlns:p14="http://schemas.microsoft.com/office/powerpoint/2010/main" val="2506932071"/>
+        <p14:creationId xmlns:p14="http://schemas.microsoft.com/office/powerpoint/2010/main" xmlns="" val="2506932071"/>
       </p:ext>
     </p:extLst>
   </p:cSld>
@@ -15360,7 +15576,7 @@
           <p:cNvPr id="3" name="Picture 2">
             <a:extLst>
               <a:ext uri="{FF2B5EF4-FFF2-40B4-BE49-F238E27FC236}">
-                <a16:creationId xmlns:a16="http://schemas.microsoft.com/office/drawing/2014/main" id="{FF9B4F9C-18B9-421B-B279-B2DA91423B47}"/>
+                <a16:creationId xmlns:a16="http://schemas.microsoft.com/office/drawing/2014/main" xmlns="" id="{FF9B4F9C-18B9-421B-B279-B2DA91423B47}"/>
               </a:ext>
             </a:extLst>
           </p:cNvPr>
@@ -15388,7 +15604,7 @@
     </p:spTree>
     <p:extLst>
       <p:ext uri="{BB962C8B-B14F-4D97-AF65-F5344CB8AC3E}">
-        <p14:creationId xmlns:p14="http://schemas.microsoft.com/office/powerpoint/2010/main" val="1261801799"/>
+        <p14:creationId xmlns:p14="http://schemas.microsoft.com/office/powerpoint/2010/main" xmlns="" val="1261801799"/>
       </p:ext>
     </p:extLst>
   </p:cSld>
@@ -17423,6 +17639,67 @@
           </p:txBody>
         </p:sp>
       </p:grpSp>
+      <p:sp>
+        <p:nvSpPr>
+          <p:cNvPr id="31" name="Rounded Rectangle 30"/>
+          <p:cNvSpPr/>
+          <p:nvPr/>
+        </p:nvSpPr>
+        <p:spPr>
+          <a:xfrm>
+            <a:off x="419386" y="3520096"/>
+            <a:ext cx="1732548" cy="1368163"/>
+          </a:xfrm>
+          <a:prstGeom prst="roundRect">
+            <a:avLst/>
+          </a:prstGeom>
+          <a:solidFill>
+            <a:schemeClr val="bg1"/>
+          </a:solidFill>
+        </p:spPr>
+        <p:style>
+          <a:lnRef idx="2">
+            <a:schemeClr val="accent1">
+              <a:shade val="50000"/>
+            </a:schemeClr>
+          </a:lnRef>
+          <a:fillRef idx="1">
+            <a:schemeClr val="accent1"/>
+          </a:fillRef>
+          <a:effectRef idx="0">
+            <a:schemeClr val="accent1"/>
+          </a:effectRef>
+          <a:fontRef idx="minor">
+            <a:schemeClr val="lt1"/>
+          </a:fontRef>
+        </p:style>
+        <p:txBody>
+          <a:bodyPr rtlCol="0" anchor="ctr"/>
+          <a:lstStyle/>
+          <a:p>
+            <a:pPr algn="ctr"/>
+            <a:endParaRPr lang="en-US" b="1">
+              <a:ln w="18000">
+                <a:solidFill>
+                  <a:schemeClr val="accent2">
+                    <a:satMod val="140000"/>
+                  </a:schemeClr>
+                </a:solidFill>
+                <a:prstDash val="solid"/>
+                <a:miter lim="800000"/>
+              </a:ln>
+              <a:noFill/>
+              <a:effectLst>
+                <a:outerShdw blurRad="25500" dist="23000" dir="7020000" algn="tl">
+                  <a:srgbClr val="000000">
+                    <a:alpha val="50000"/>
+                  </a:srgbClr>
+                </a:outerShdw>
+              </a:effectLst>
+            </a:endParaRPr>
+          </a:p>
+        </p:txBody>
+      </p:sp>
     </p:spTree>
   </p:cSld>
   <p:clrMapOvr>
@@ -19622,7 +19899,7 @@
           <p:cNvPr id="38" name="Google Shape;189;p33">
             <a:extLst>
               <a:ext uri="{FF2B5EF4-FFF2-40B4-BE49-F238E27FC236}">
-                <a16:creationId xmlns:a16="http://schemas.microsoft.com/office/drawing/2014/main" id="{1CFC90D3-2490-4C85-8FBF-315BF560A7F1}"/>
+                <a16:creationId xmlns:a16="http://schemas.microsoft.com/office/drawing/2014/main" xmlns="" id="{1CFC90D3-2490-4C85-8FBF-315BF560A7F1}"/>
               </a:ext>
             </a:extLst>
           </p:cNvPr>
@@ -19685,7 +19962,7 @@
           <p:cNvPr id="39" name="Google Shape;206;p33">
             <a:extLst>
               <a:ext uri="{FF2B5EF4-FFF2-40B4-BE49-F238E27FC236}">
-                <a16:creationId xmlns:a16="http://schemas.microsoft.com/office/drawing/2014/main" id="{48073630-F2B2-489F-AAAB-F1818687ADCB}"/>
+                <a16:creationId xmlns:a16="http://schemas.microsoft.com/office/drawing/2014/main" xmlns="" id="{48073630-F2B2-489F-AAAB-F1818687ADCB}"/>
               </a:ext>
             </a:extLst>
           </p:cNvPr>
@@ -19719,7 +19996,7 @@
           <p:cNvPr id="42" name="Google Shape;206;p33">
             <a:extLst>
               <a:ext uri="{FF2B5EF4-FFF2-40B4-BE49-F238E27FC236}">
-                <a16:creationId xmlns:a16="http://schemas.microsoft.com/office/drawing/2014/main" id="{2167E7C9-6EB1-4E0B-8E98-82600F7A6A61}"/>
+                <a16:creationId xmlns:a16="http://schemas.microsoft.com/office/drawing/2014/main" xmlns="" id="{2167E7C9-6EB1-4E0B-8E98-82600F7A6A61}"/>
               </a:ext>
             </a:extLst>
           </p:cNvPr>
@@ -19753,7 +20030,7 @@
           <p:cNvPr id="48" name="Google Shape;206;p33">
             <a:extLst>
               <a:ext uri="{FF2B5EF4-FFF2-40B4-BE49-F238E27FC236}">
-                <a16:creationId xmlns:a16="http://schemas.microsoft.com/office/drawing/2014/main" id="{D2A85249-DAC0-4044-96B9-8DFF9FC0AA6E}"/>
+                <a16:creationId xmlns:a16="http://schemas.microsoft.com/office/drawing/2014/main" xmlns="" id="{D2A85249-DAC0-4044-96B9-8DFF9FC0AA6E}"/>
               </a:ext>
             </a:extLst>
           </p:cNvPr>
@@ -19787,7 +20064,7 @@
           <p:cNvPr id="14" name="Straight Connector 13">
             <a:extLst>
               <a:ext uri="{FF2B5EF4-FFF2-40B4-BE49-F238E27FC236}">
-                <a16:creationId xmlns:a16="http://schemas.microsoft.com/office/drawing/2014/main" id="{95AC64A9-9ED8-4774-AEAC-7BE011CC1742}"/>
+                <a16:creationId xmlns:a16="http://schemas.microsoft.com/office/drawing/2014/main" xmlns="" id="{95AC64A9-9ED8-4774-AEAC-7BE011CC1742}"/>
               </a:ext>
             </a:extLst>
           </p:cNvPr>
@@ -19825,7 +20102,7 @@
           <p:cNvPr id="58" name="Google Shape;207;p33">
             <a:extLst>
               <a:ext uri="{FF2B5EF4-FFF2-40B4-BE49-F238E27FC236}">
-                <a16:creationId xmlns:a16="http://schemas.microsoft.com/office/drawing/2014/main" id="{47DC4D8A-C7FB-4021-965A-AE8801734257}"/>
+                <a16:creationId xmlns:a16="http://schemas.microsoft.com/office/drawing/2014/main" xmlns="" id="{47DC4D8A-C7FB-4021-965A-AE8801734257}"/>
               </a:ext>
             </a:extLst>
           </p:cNvPr>
